--- a/Carolina Brew Presentation.pptx
+++ b/Carolina Brew Presentation.pptx
@@ -5897,7 +5897,7 @@
           <a:p>
             <a:r>
               <a:rPr lang="en-US" dirty="0"/>
-              <a:t>E.T.L Project </a:t>
+              <a:t>E.T.L. Project </a:t>
             </a:r>
           </a:p>
           <a:p>
@@ -5930,10 +5930,10 @@
       </p:sp>
       <p:pic>
         <p:nvPicPr>
-          <p:cNvPr id="1026" name="Picture 2" descr="North Carolina Craft Beer - 1000 Piece Jigsaw Puzzle for Adults – White  Mountain Puzzles">
+          <p:cNvPr id="1028" name="Picture 4" descr="Amazon.com: Desperate Enterprises Beer - It Puts The Happy in Happy Hour  Tin Sign, 12.5&quot; W x 16&quot; H: Home &amp; Kitchen">
             <a:extLst>
               <a:ext uri="{FF2B5EF4-FFF2-40B4-BE49-F238E27FC236}">
-                <a16:creationId xmlns:a16="http://schemas.microsoft.com/office/drawing/2014/main" id="{EB99CF4C-AAD0-4742-AF66-8A423F8C1D99}"/>
+                <a16:creationId xmlns:a16="http://schemas.microsoft.com/office/drawing/2014/main" id="{3C5301C6-D396-4C7B-A3E8-D8D004593FA9}"/>
               </a:ext>
             </a:extLst>
           </p:cNvPr>
@@ -5957,54 +5957,7 @@
         </p:blipFill>
         <p:spPr bwMode="auto">
           <a:xfrm>
-            <a:off x="823486" y="4323425"/>
-            <a:ext cx="3815594" cy="2374777"/>
-          </a:xfrm>
-          <a:prstGeom prst="rect">
-            <a:avLst/>
-          </a:prstGeom>
-          <a:noFill/>
-          <a:extLst>
-            <a:ext uri="{909E8E84-426E-40DD-AFC4-6F175D3DCCD1}">
-              <a14:hiddenFill xmlns:a14="http://schemas.microsoft.com/office/drawing/2010/main">
-                <a:solidFill>
-                  <a:srgbClr val="FFFFFF"/>
-                </a:solidFill>
-              </a14:hiddenFill>
-            </a:ext>
-          </a:extLst>
-        </p:spPr>
-      </p:pic>
-      <p:pic>
-        <p:nvPicPr>
-          <p:cNvPr id="1028" name="Picture 4" descr="Amazon.com: Desperate Enterprises Beer - It Puts The Happy in Happy Hour  Tin Sign, 12.5&quot; W x 16&quot; H: Home &amp; Kitchen">
-            <a:extLst>
-              <a:ext uri="{FF2B5EF4-FFF2-40B4-BE49-F238E27FC236}">
-                <a16:creationId xmlns:a16="http://schemas.microsoft.com/office/drawing/2014/main" id="{3C5301C6-D396-4C7B-A3E8-D8D004593FA9}"/>
-              </a:ext>
-            </a:extLst>
-          </p:cNvPr>
-          <p:cNvPicPr>
-            <a:picLocks noChangeAspect="1" noChangeArrowheads="1"/>
-          </p:cNvPicPr>
-          <p:nvPr/>
-        </p:nvPicPr>
-        <p:blipFill>
-          <a:blip r:embed="rId3">
-            <a:extLst>
-              <a:ext uri="{28A0092B-C50C-407E-A947-70E740481C1C}">
-                <a14:useLocalDpi xmlns:a14="http://schemas.microsoft.com/office/drawing/2010/main" val="0"/>
-              </a:ext>
-            </a:extLst>
-          </a:blip>
-          <a:srcRect/>
-          <a:stretch>
-            <a:fillRect/>
-          </a:stretch>
-        </p:blipFill>
-        <p:spPr bwMode="auto">
-          <a:xfrm>
-            <a:off x="1507067" y="179773"/>
+            <a:off x="946628" y="883123"/>
             <a:ext cx="3132013" cy="3042821"/>
           </a:xfrm>
           <a:prstGeom prst="rect">
@@ -6116,7 +6069,7 @@
           <a:p>
             <a:r>
               <a:rPr lang="en-US" dirty="0"/>
-              <a:t>Extraction</a:t>
+              <a:t>Extract</a:t>
             </a:r>
           </a:p>
           <a:p>
@@ -6157,13 +6110,8 @@
             <a:pPr lvl="1"/>
             <a:r>
               <a:rPr lang="en-US" dirty="0"/>
-              <a:t>Merged tables in </a:t>
-            </a:r>
-            <a:r>
-              <a:rPr lang="en-US" dirty="0" err="1"/>
-              <a:t>PgAdmin</a:t>
-            </a:r>
-            <a:endParaRPr lang="en-US" dirty="0"/>
+              <a:t>Merged tables in pgAdmin4</a:t>
+            </a:r>
           </a:p>
           <a:p>
             <a:r>
@@ -6177,6 +6125,23 @@
               <a:rPr lang="en-US" dirty="0"/>
               <a:t>Confirmed merge and final table </a:t>
             </a:r>
+          </a:p>
+          <a:p>
+            <a:r>
+              <a:rPr lang="en-US" dirty="0"/>
+              <a:t>Accomplished</a:t>
+            </a:r>
+          </a:p>
+          <a:p>
+            <a:pPr lvl="1"/>
+            <a:r>
+              <a:rPr lang="en-US" dirty="0"/>
+              <a:t>Generated a production database displaying breweries in North Carolina and South Carolina</a:t>
+            </a:r>
+          </a:p>
+          <a:p>
+            <a:pPr lvl="1"/>
+            <a:endParaRPr lang="en-US" dirty="0"/>
           </a:p>
         </p:txBody>
       </p:sp>
@@ -6432,7 +6397,7 @@
         <p:spPr>
           <a:xfrm>
             <a:off x="677333" y="609599"/>
-            <a:ext cx="3851123" cy="4789055"/>
+            <a:ext cx="4934902" cy="4789055"/>
           </a:xfrm>
         </p:spPr>
         <p:txBody>
@@ -6443,7 +6408,7 @@
           <a:p>
             <a:r>
               <a:rPr lang="en-US" dirty="0"/>
-              <a:t>ETL Project Idea</a:t>
+              <a:t>E.T.L. Project Idea</a:t>
             </a:r>
           </a:p>
         </p:txBody>
@@ -7301,8 +7266,8 @@
         </p:nvSpPr>
         <p:spPr>
           <a:xfrm>
-            <a:off x="677334" y="1429305"/>
-            <a:ext cx="8596668" cy="4612058"/>
+            <a:off x="1300294" y="1429305"/>
+            <a:ext cx="7197754" cy="2723245"/>
           </a:xfrm>
         </p:spPr>
         <p:txBody>
@@ -7313,47 +7278,49 @@
           <a:p>
             <a:r>
               <a:rPr lang="en-US" dirty="0"/>
-              <a:t>In the beginning – 1700 BCE</a:t>
-            </a:r>
-          </a:p>
-          <a:p>
+              <a:t>Carolina Brew</a:t>
+            </a:r>
+          </a:p>
+          <a:p>
+            <a:pPr lvl="1"/>
             <a:r>
               <a:rPr lang="en-US" dirty="0"/>
-              <a:t>First American Brewery – 1829 </a:t>
+              <a:t>North Carolina</a:t>
+            </a:r>
+          </a:p>
+          <a:p>
+            <a:pPr lvl="2"/>
+            <a:r>
+              <a:rPr lang="en-US" dirty="0"/>
+              <a:t>First brewery est. 1986</a:t>
+            </a:r>
+          </a:p>
+          <a:p>
+            <a:pPr lvl="2"/>
+            <a:r>
+              <a:rPr lang="en-US" dirty="0"/>
+              <a:t>Currently (2021) 320 breweries “Top 10”</a:t>
             </a:r>
           </a:p>
           <a:p>
             <a:pPr lvl="1"/>
             <a:r>
               <a:rPr lang="en-US" dirty="0"/>
-              <a:t>Originated in PA</a:t>
-            </a:r>
-          </a:p>
-          <a:p>
-            <a:pPr lvl="1"/>
+              <a:t>South Carolina</a:t>
+            </a:r>
+          </a:p>
+          <a:p>
+            <a:pPr lvl="2"/>
             <a:r>
               <a:rPr lang="en-US" dirty="0"/>
-              <a:t>Yuengling – “The oldest &amp; Coldest”</a:t>
-            </a:r>
-          </a:p>
-          <a:p>
+              <a:t>First brewery est. 1800s</a:t>
+            </a:r>
+          </a:p>
+          <a:p>
+            <a:pPr lvl="2"/>
             <a:r>
               <a:rPr lang="en-US" dirty="0"/>
-              <a:t>Carolina Brew</a:t>
-            </a:r>
-          </a:p>
-          <a:p>
-            <a:pPr lvl="1"/>
-            <a:r>
-              <a:rPr lang="en-US" dirty="0"/>
-              <a:t>NC – 1986 – currently houses 320 breweries “Top 10”</a:t>
-            </a:r>
-          </a:p>
-          <a:p>
-            <a:pPr lvl="1"/>
-            <a:r>
-              <a:rPr lang="en-US" dirty="0"/>
-              <a:t>SC – 1800’s – currently houses 48 breweries</a:t>
+              <a:t>Currently (2021) 48 breweries</a:t>
             </a:r>
           </a:p>
           <a:p>
@@ -7361,53 +7328,6 @@
           </a:p>
         </p:txBody>
       </p:sp>
-      <p:pic>
-        <p:nvPicPr>
-          <p:cNvPr id="5" name="Picture 2" descr="The Best Beer StateBeer &amp; Whiskey Brothers">
-            <a:extLst>
-              <a:ext uri="{FF2B5EF4-FFF2-40B4-BE49-F238E27FC236}">
-                <a16:creationId xmlns:a16="http://schemas.microsoft.com/office/drawing/2014/main" id="{F7FFC4D0-7149-49DF-B6F6-C63DA81D9714}"/>
-              </a:ext>
-            </a:extLst>
-          </p:cNvPr>
-          <p:cNvPicPr>
-            <a:picLocks noChangeAspect="1" noChangeArrowheads="1"/>
-          </p:cNvPicPr>
-          <p:nvPr/>
-        </p:nvPicPr>
-        <p:blipFill>
-          <a:blip r:embed="rId2">
-            <a:extLst>
-              <a:ext uri="{28A0092B-C50C-407E-A947-70E740481C1C}">
-                <a14:useLocalDpi xmlns:a14="http://schemas.microsoft.com/office/drawing/2010/main" val="0"/>
-              </a:ext>
-            </a:extLst>
-          </a:blip>
-          <a:srcRect/>
-          <a:stretch>
-            <a:fillRect/>
-          </a:stretch>
-        </p:blipFill>
-        <p:spPr bwMode="auto">
-          <a:xfrm>
-            <a:off x="2248855" y="4270159"/>
-            <a:ext cx="6211564" cy="2587841"/>
-          </a:xfrm>
-          <a:prstGeom prst="rect">
-            <a:avLst/>
-          </a:prstGeom>
-          <a:noFill/>
-          <a:extLst>
-            <a:ext uri="{909E8E84-426E-40DD-AFC4-6F175D3DCCD1}">
-              <a14:hiddenFill xmlns:a14="http://schemas.microsoft.com/office/drawing/2010/main">
-                <a:solidFill>
-                  <a:srgbClr val="FFFFFF"/>
-                </a:solidFill>
-              </a14:hiddenFill>
-            </a:ext>
-          </a:extLst>
-        </p:spPr>
-      </p:pic>
     </p:spTree>
     <p:extLst>
       <p:ext uri="{BB962C8B-B14F-4D97-AF65-F5344CB8AC3E}">
@@ -7469,7 +7389,7 @@
             <a:pPr algn="ctr"/>
             <a:r>
               <a:rPr lang="en-US" dirty="0"/>
-              <a:t>Extraction</a:t>
+              <a:t>Extract</a:t>
             </a:r>
           </a:p>
         </p:txBody>
@@ -7628,7 +7548,7 @@
         <p:spPr>
           <a:xfrm>
             <a:off x="1246494" y="4918230"/>
-            <a:ext cx="8027508" cy="1513302"/>
+            <a:ext cx="8027508" cy="1516126"/>
           </a:xfrm>
           <a:prstGeom prst="rect">
             <a:avLst/>
@@ -7727,13 +7647,13 @@
           <a:p>
             <a:r>
               <a:rPr lang="en-US" dirty="0"/>
-              <a:t>Kaggle file: remove columns, renamed columns, reorganized columns, 		removed rows with Nan and finally, sorted to North and South Carolina</a:t>
+              <a:t>Kaggle file: remove columns, renamed columns, reorganized columns, removed rows with Nan and finally, sorted to North and South Carolina</a:t>
             </a:r>
           </a:p>
           <a:p>
             <a:r>
               <a:rPr lang="en-US" dirty="0"/>
-              <a:t>Final Result:  77 Bars</a:t>
+              <a:t>Result: 77 Bars</a:t>
             </a:r>
           </a:p>
           <a:p>
@@ -7765,7 +7685,7 @@
           <a:p>
             <a:r>
               <a:rPr lang="en-US" dirty="0"/>
-              <a:t> Final Result : 20 Bars NC &amp; 20 Bars SC</a:t>
+              <a:t>Result: 20 Bars NC &amp; 20 Bars SC</a:t>
             </a:r>
           </a:p>
           <a:p>
@@ -7978,8 +7898,8 @@
         </p:blipFill>
         <p:spPr>
           <a:xfrm>
-            <a:off x="1367161" y="2041864"/>
-            <a:ext cx="7161790" cy="4211154"/>
+            <a:off x="1828800" y="1758786"/>
+            <a:ext cx="6600330" cy="4868344"/>
           </a:xfrm>
           <a:prstGeom prst="rect">
             <a:avLst/>
@@ -8325,9 +8245,6 @@
           <a:bodyPr/>
           <a:lstStyle/>
           <a:p>
-            <a:pPr marL="0" indent="0">
-              <a:buNone/>
-            </a:pPr>
             <a:r>
               <a:rPr lang="en-US" dirty="0"/>
               <a:t>	Confirmed data in merged tables (FINAL TABLE: Breweries)</a:t>
@@ -8388,12 +8305,9 @@
             <a:endParaRPr lang="en-US" dirty="0"/>
           </a:p>
           <a:p>
-            <a:pPr marL="0" indent="0">
-              <a:buNone/>
-            </a:pPr>
             <a:r>
               <a:rPr lang="en-US" dirty="0"/>
-              <a:t>        Confirmed size of table – 117 Rows</a:t>
+              <a:t> Confirmed size of table – 117 Rows</a:t>
             </a:r>
           </a:p>
           <a:p>
@@ -8546,8 +8460,8 @@
         </p:nvSpPr>
         <p:spPr>
           <a:xfrm>
-            <a:off x="677334" y="1010653"/>
-            <a:ext cx="8596668" cy="5030709"/>
+            <a:off x="677334" y="713873"/>
+            <a:ext cx="8596668" cy="4714007"/>
           </a:xfrm>
         </p:spPr>
         <p:txBody>
@@ -8589,8 +8503,8 @@
         </p:blipFill>
         <p:spPr>
           <a:xfrm>
-            <a:off x="1038303" y="2148396"/>
-            <a:ext cx="8235699" cy="3698951"/>
+            <a:off x="1006679" y="1892126"/>
+            <a:ext cx="8837775" cy="3698951"/>
           </a:xfrm>
           <a:prstGeom prst="rect">
             <a:avLst/>

--- a/Carolina Brew Presentation.pptx
+++ b/Carolina Brew Presentation.pptx
@@ -5957,7 +5957,7 @@
         </p:blipFill>
         <p:spPr bwMode="auto">
           <a:xfrm>
-            <a:off x="946628" y="883123"/>
+            <a:off x="882460" y="1468660"/>
             <a:ext cx="3132013" cy="3042821"/>
           </a:xfrm>
           <a:prstGeom prst="rect">
@@ -7267,7 +7267,7 @@
         <p:spPr>
           <a:xfrm>
             <a:off x="1300294" y="1429305"/>
-            <a:ext cx="7197754" cy="2723245"/>
+            <a:ext cx="7197754" cy="3170404"/>
           </a:xfrm>
         </p:spPr>
         <p:txBody>
@@ -7292,14 +7292,28 @@
             <a:pPr lvl="2"/>
             <a:r>
               <a:rPr lang="en-US" dirty="0"/>
-              <a:t>First brewery est. 1986</a:t>
-            </a:r>
+              <a:t>First brewery est. 1986 – </a:t>
+            </a:r>
+            <a:r>
+              <a:rPr lang="en-US" dirty="0">
+                <a:hlinkClick r:id="rId2"/>
+              </a:rPr>
+              <a:t>Weeping Radish</a:t>
+            </a:r>
+            <a:endParaRPr lang="en-US" dirty="0"/>
           </a:p>
           <a:p>
             <a:pPr lvl="2"/>
             <a:r>
               <a:rPr lang="en-US" dirty="0"/>
-              <a:t>Currently (2021) 320 breweries “Top 10”</a:t>
+              <a:t>Currently (2021) 320 breweries &amp; pubs</a:t>
+            </a:r>
+          </a:p>
+          <a:p>
+            <a:pPr lvl="2"/>
+            <a:r>
+              <a:rPr lang="en-US" dirty="0"/>
+              <a:t>Largest number of craft breweries in the American South</a:t>
             </a:r>
           </a:p>
           <a:p>
@@ -7313,21 +7327,136 @@
             <a:pPr lvl="2"/>
             <a:r>
               <a:rPr lang="en-US" dirty="0"/>
-              <a:t>First brewery est. 1800s</a:t>
-            </a:r>
+              <a:t>First brewery est. 1993 – </a:t>
+            </a:r>
+            <a:r>
+              <a:rPr lang="en-US" b="0" i="0" u="none" strike="noStrike" dirty="0">
+                <a:solidFill>
+                  <a:srgbClr val="90040A"/>
+                </a:solidFill>
+                <a:effectLst/>
+                <a:latin typeface="Helvetica" panose="020B0604020202020204" pitchFamily="34" charset="0"/>
+                <a:hlinkClick r:id="rId3"/>
+              </a:rPr>
+              <a:t>Palmetto Brewery</a:t>
+            </a:r>
+            <a:endParaRPr lang="en-US" b="0" i="0" u="none" strike="noStrike" dirty="0">
+              <a:solidFill>
+                <a:srgbClr val="90040A"/>
+              </a:solidFill>
+              <a:effectLst/>
+              <a:latin typeface="Helvetica" panose="020B0604020202020204" pitchFamily="34" charset="0"/>
+            </a:endParaRPr>
           </a:p>
           <a:p>
             <a:pPr lvl="2"/>
             <a:r>
               <a:rPr lang="en-US" dirty="0"/>
-              <a:t>Currently (2021) 48 breweries</a:t>
-            </a:r>
-          </a:p>
-          <a:p>
+              <a:t>Currently (2018) 50 breweries</a:t>
+            </a:r>
+          </a:p>
+          <a:p>
+            <a:pPr marL="914400" lvl="2" indent="0">
+              <a:buNone/>
+            </a:pPr>
             <a:endParaRPr lang="en-US" dirty="0"/>
           </a:p>
         </p:txBody>
       </p:sp>
+      <p:pic>
+        <p:nvPicPr>
+          <p:cNvPr id="1026" name="Picture 2">
+            <a:extLst>
+              <a:ext uri="{FF2B5EF4-FFF2-40B4-BE49-F238E27FC236}">
+                <a16:creationId xmlns:a16="http://schemas.microsoft.com/office/drawing/2014/main" id="{384E4F74-2F1D-44C9-A5A7-9F546BDC0A80}"/>
+              </a:ext>
+            </a:extLst>
+          </p:cNvPr>
+          <p:cNvPicPr>
+            <a:picLocks noChangeAspect="1" noChangeArrowheads="1"/>
+          </p:cNvPicPr>
+          <p:nvPr/>
+        </p:nvPicPr>
+        <p:blipFill>
+          <a:blip r:embed="rId4">
+            <a:extLst>
+              <a:ext uri="{28A0092B-C50C-407E-A947-70E740481C1C}">
+                <a14:useLocalDpi xmlns:a14="http://schemas.microsoft.com/office/drawing/2010/main" val="0"/>
+              </a:ext>
+            </a:extLst>
+          </a:blip>
+          <a:srcRect/>
+          <a:stretch>
+            <a:fillRect/>
+          </a:stretch>
+        </p:blipFill>
+        <p:spPr bwMode="auto">
+          <a:xfrm>
+            <a:off x="5696105" y="4733658"/>
+            <a:ext cx="2231142" cy="1778000"/>
+          </a:xfrm>
+          <a:prstGeom prst="rect">
+            <a:avLst/>
+          </a:prstGeom>
+          <a:noFill/>
+          <a:extLst>
+            <a:ext uri="{909E8E84-426E-40DD-AFC4-6F175D3DCCD1}">
+              <a14:hiddenFill xmlns:a14="http://schemas.microsoft.com/office/drawing/2010/main">
+                <a:solidFill>
+                  <a:srgbClr val="FFFFFF"/>
+                </a:solidFill>
+              </a14:hiddenFill>
+            </a:ext>
+          </a:extLst>
+        </p:spPr>
+      </p:pic>
+      <p:pic>
+        <p:nvPicPr>
+          <p:cNvPr id="1028" name="Picture 4">
+            <a:extLst>
+              <a:ext uri="{FF2B5EF4-FFF2-40B4-BE49-F238E27FC236}">
+                <a16:creationId xmlns:a16="http://schemas.microsoft.com/office/drawing/2014/main" id="{820AD988-8843-4E5A-BB4F-F9971B9817D7}"/>
+              </a:ext>
+            </a:extLst>
+          </p:cNvPr>
+          <p:cNvPicPr>
+            <a:picLocks noChangeAspect="1" noChangeArrowheads="1"/>
+          </p:cNvPicPr>
+          <p:nvPr/>
+        </p:nvPicPr>
+        <p:blipFill>
+          <a:blip r:embed="rId5">
+            <a:extLst>
+              <a:ext uri="{28A0092B-C50C-407E-A947-70E740481C1C}">
+                <a14:useLocalDpi xmlns:a14="http://schemas.microsoft.com/office/drawing/2010/main" val="0"/>
+              </a:ext>
+            </a:extLst>
+          </a:blip>
+          <a:srcRect/>
+          <a:stretch>
+            <a:fillRect/>
+          </a:stretch>
+        </p:blipFill>
+        <p:spPr bwMode="auto">
+          <a:xfrm>
+            <a:off x="5578736" y="3851526"/>
+            <a:ext cx="3759921" cy="1429138"/>
+          </a:xfrm>
+          <a:prstGeom prst="rect">
+            <a:avLst/>
+          </a:prstGeom>
+          <a:noFill/>
+          <a:extLst>
+            <a:ext uri="{909E8E84-426E-40DD-AFC4-6F175D3DCCD1}">
+              <a14:hiddenFill xmlns:a14="http://schemas.microsoft.com/office/drawing/2010/main">
+                <a:solidFill>
+                  <a:srgbClr val="FFFFFF"/>
+                </a:solidFill>
+              </a14:hiddenFill>
+            </a:ext>
+          </a:extLst>
+        </p:spPr>
+      </p:pic>
     </p:spTree>
     <p:extLst>
       <p:ext uri="{BB962C8B-B14F-4D97-AF65-F5344CB8AC3E}">

--- a/Carolina Brew Presentation.pptx
+++ b/Carolina Brew Presentation.pptx
@@ -7800,7 +7800,15 @@
           <a:p>
             <a:r>
               <a:rPr lang="en-US" dirty="0"/>
-              <a:t>Yelp file: created a list of rows of interest—address, bar id, price, rating, and number of reviews. Then placed into a pandas </a:t>
+              <a:t>Yelp file: created a list of rows of interest—name, phone, address, city, state, zip </a:t>
+            </a:r>
+            <a:r>
+              <a:rPr lang="en-US" dirty="0" err="1"/>
+              <a:t>code,price</a:t>
+            </a:r>
+            <a:r>
+              <a:rPr lang="en-US" dirty="0"/>
+              <a:t>, rating, and number of reviews. Then placed into a pandas </a:t>
             </a:r>
             <a:r>
               <a:rPr lang="en-US" dirty="0" err="1"/>

--- a/Carolina Brew Presentation.pptx
+++ b/Carolina Brew Presentation.pptx
@@ -7800,15 +7800,7 @@
           <a:p>
             <a:r>
               <a:rPr lang="en-US" dirty="0"/>
-              <a:t>Yelp file: created a list of rows of interest—name, phone, address, city, state, zip </a:t>
-            </a:r>
-            <a:r>
-              <a:rPr lang="en-US" dirty="0" err="1"/>
-              <a:t>code,price</a:t>
-            </a:r>
-            <a:r>
-              <a:rPr lang="en-US" dirty="0"/>
-              <a:t>, rating, and number of reviews. Then placed into a pandas </a:t>
+              <a:t>Yelp file: created a list of rows of interest—name, phone, address, city, state, zip code, price, rating, and number of reviews. Then placed into a pandas </a:t>
             </a:r>
             <a:r>
               <a:rPr lang="en-US" dirty="0" err="1"/>
@@ -7891,7 +7883,7 @@
         </p:blipFill>
         <p:spPr>
           <a:xfrm>
-            <a:off x="1286431" y="4819755"/>
+            <a:off x="1060391" y="5182124"/>
             <a:ext cx="7830553" cy="1306420"/>
           </a:xfrm>
           <a:prstGeom prst="rect">
